--- a/GAE presentation.pptx
+++ b/GAE presentation.pptx
@@ -272,7 +272,7 @@
           <a:p>
             <a:fld id="{B931B69F-F525-3D48-AFC1-6EB395055EDA}" type="datetimeFigureOut">
               <a:rPr lang="en-US" smtClean="0"/>
-              <a:t>1/26/21</a:t>
+              <a:t>1/27/21</a:t>
             </a:fld>
             <a:endParaRPr lang="en-US"/>
           </a:p>
@@ -470,7 +470,7 @@
           <a:p>
             <a:fld id="{B931B69F-F525-3D48-AFC1-6EB395055EDA}" type="datetimeFigureOut">
               <a:rPr lang="en-US" smtClean="0"/>
-              <a:t>1/26/21</a:t>
+              <a:t>1/27/21</a:t>
             </a:fld>
             <a:endParaRPr lang="en-US"/>
           </a:p>
@@ -678,7 +678,7 @@
           <a:p>
             <a:fld id="{B931B69F-F525-3D48-AFC1-6EB395055EDA}" type="datetimeFigureOut">
               <a:rPr lang="en-US" smtClean="0"/>
-              <a:t>1/26/21</a:t>
+              <a:t>1/27/21</a:t>
             </a:fld>
             <a:endParaRPr lang="en-US"/>
           </a:p>
@@ -876,7 +876,7 @@
           <a:p>
             <a:fld id="{B931B69F-F525-3D48-AFC1-6EB395055EDA}" type="datetimeFigureOut">
               <a:rPr lang="en-US" smtClean="0"/>
-              <a:t>1/26/21</a:t>
+              <a:t>1/27/21</a:t>
             </a:fld>
             <a:endParaRPr lang="en-US"/>
           </a:p>
@@ -1151,7 +1151,7 @@
           <a:p>
             <a:fld id="{B931B69F-F525-3D48-AFC1-6EB395055EDA}" type="datetimeFigureOut">
               <a:rPr lang="en-US" smtClean="0"/>
-              <a:t>1/26/21</a:t>
+              <a:t>1/27/21</a:t>
             </a:fld>
             <a:endParaRPr lang="en-US"/>
           </a:p>
@@ -1416,7 +1416,7 @@
           <a:p>
             <a:fld id="{B931B69F-F525-3D48-AFC1-6EB395055EDA}" type="datetimeFigureOut">
               <a:rPr lang="en-US" smtClean="0"/>
-              <a:t>1/26/21</a:t>
+              <a:t>1/27/21</a:t>
             </a:fld>
             <a:endParaRPr lang="en-US"/>
           </a:p>
@@ -1828,7 +1828,7 @@
           <a:p>
             <a:fld id="{B931B69F-F525-3D48-AFC1-6EB395055EDA}" type="datetimeFigureOut">
               <a:rPr lang="en-US" smtClean="0"/>
-              <a:t>1/26/21</a:t>
+              <a:t>1/27/21</a:t>
             </a:fld>
             <a:endParaRPr lang="en-US"/>
           </a:p>
@@ -1969,7 +1969,7 @@
           <a:p>
             <a:fld id="{B931B69F-F525-3D48-AFC1-6EB395055EDA}" type="datetimeFigureOut">
               <a:rPr lang="en-US" smtClean="0"/>
-              <a:t>1/26/21</a:t>
+              <a:t>1/27/21</a:t>
             </a:fld>
             <a:endParaRPr lang="en-US"/>
           </a:p>
@@ -2082,7 +2082,7 @@
           <a:p>
             <a:fld id="{B931B69F-F525-3D48-AFC1-6EB395055EDA}" type="datetimeFigureOut">
               <a:rPr lang="en-US" smtClean="0"/>
-              <a:t>1/26/21</a:t>
+              <a:t>1/27/21</a:t>
             </a:fld>
             <a:endParaRPr lang="en-US"/>
           </a:p>
@@ -2393,7 +2393,7 @@
           <a:p>
             <a:fld id="{B931B69F-F525-3D48-AFC1-6EB395055EDA}" type="datetimeFigureOut">
               <a:rPr lang="en-US" smtClean="0"/>
-              <a:t>1/26/21</a:t>
+              <a:t>1/27/21</a:t>
             </a:fld>
             <a:endParaRPr lang="en-US"/>
           </a:p>
@@ -2681,7 +2681,7 @@
           <a:p>
             <a:fld id="{B931B69F-F525-3D48-AFC1-6EB395055EDA}" type="datetimeFigureOut">
               <a:rPr lang="en-US" smtClean="0"/>
-              <a:t>1/26/21</a:t>
+              <a:t>1/27/21</a:t>
             </a:fld>
             <a:endParaRPr lang="en-US"/>
           </a:p>
@@ -2922,7 +2922,7 @@
           <a:p>
             <a:fld id="{B931B69F-F525-3D48-AFC1-6EB395055EDA}" type="datetimeFigureOut">
               <a:rPr lang="en-US" smtClean="0"/>
-              <a:t>1/26/21</a:t>
+              <a:t>1/27/21</a:t>
             </a:fld>
             <a:endParaRPr lang="en-US"/>
           </a:p>
@@ -3528,8 +3528,8 @@
           <a:chExt cx="0" cy="0"/>
         </a:xfrm>
       </p:grpSpPr>
-      <mc:AlternateContent xmlns:mc="http://schemas.openxmlformats.org/markup-compatibility/2006">
-        <mc:Choice xmlns:a14="http://schemas.microsoft.com/office/drawing/2010/main" Requires="a14">
+      <mc:AlternateContent xmlns:mc="http://schemas.openxmlformats.org/markup-compatibility/2006" xmlns:a14="http://schemas.microsoft.com/office/drawing/2010/main">
+        <mc:Choice Requires="a14">
           <p:sp>
             <p:nvSpPr>
               <p:cNvPr id="2" name="Title 1">
@@ -3625,7 +3625,7 @@
             </p:txBody>
           </p:sp>
         </mc:Choice>
-        <mc:Fallback>
+        <mc:Fallback xmlns="">
           <p:sp>
             <p:nvSpPr>
               <p:cNvPr id="2" name="Title 1">
@@ -3669,8 +3669,8 @@
           </p:sp>
         </mc:Fallback>
       </mc:AlternateContent>
-      <mc:AlternateContent xmlns:mc="http://schemas.openxmlformats.org/markup-compatibility/2006">
-        <mc:Choice xmlns:a14="http://schemas.microsoft.com/office/drawing/2010/main" Requires="a14">
+      <mc:AlternateContent xmlns:mc="http://schemas.openxmlformats.org/markup-compatibility/2006" xmlns:a14="http://schemas.microsoft.com/office/drawing/2010/main">
+        <mc:Choice Requires="a14">
           <p:sp>
             <p:nvSpPr>
               <p:cNvPr id="3" name="Content Placeholder 2">
@@ -4395,7 +4395,7 @@
             </p:txBody>
           </p:sp>
         </mc:Choice>
-        <mc:Fallback>
+        <mc:Fallback xmlns="">
           <p:sp>
             <p:nvSpPr>
               <p:cNvPr id="3" name="Content Placeholder 2">
@@ -4561,7 +4561,7 @@
             </p:spPr>
             <p:txBody>
               <a:bodyPr>
-                <a:normAutofit fontScale="92500" lnSpcReduction="20000"/>
+                <a:normAutofit fontScale="85000" lnSpcReduction="20000"/>
               </a:bodyPr>
               <a:lstStyle/>
               <a:p>
@@ -5331,7 +5331,9 @@
                 <a:pPr marL="0" indent="0">
                   <a:buNone/>
                 </a:pPr>
-                <a:endParaRPr lang="en-US" sz="2400" dirty="0"/>
+                <a:endParaRPr lang="en-CA" sz="2400" i="1" dirty="0">
+                  <a:latin typeface="Cambria Math" panose="02040503050406030204" pitchFamily="18" charset="0"/>
+                </a:endParaRPr>
               </a:p>
               <a:p>
                 <a:pPr marL="0" indent="0">
@@ -5353,7 +5355,13 @@
                         <a:rPr lang="en-CA" sz="2400" b="0" i="1" dirty="0" smtClean="0">
                           <a:latin typeface="Cambria Math" panose="02040503050406030204" pitchFamily="18" charset="0"/>
                         </a:rPr>
-                        <m:t>∈[0,1]</m:t>
+                        <m:t>∈[0,1</m:t>
+                      </m:r>
+                      <m:r>
+                        <a:rPr lang="en-CA" sz="2400" b="0" i="1" dirty="0" smtClean="0">
+                          <a:latin typeface="Cambria Math" panose="02040503050406030204" pitchFamily="18" charset="0"/>
+                        </a:rPr>
+                        <m:t>)</m:t>
                       </m:r>
                     </m:oMath>
                   </m:oMathPara>
@@ -5442,7 +5450,16 @@
                 </a:pPr>
                 <a:r>
                   <a:rPr lang="en-US" sz="2400" dirty="0"/>
-                  <a:t>If we want GAE to be more unbiased, we should assign more weight towards </a:t>
+                  <a:t>If we want GAE to be more unbiased, </a:t>
+                </a:r>
+              </a:p>
+              <a:p>
+                <a:pPr marL="0" indent="0">
+                  <a:buNone/>
+                </a:pPr>
+                <a:r>
+                  <a:rPr lang="en-US" sz="2400" dirty="0"/>
+                  <a:t>we should assign more weight towards </a:t>
                 </a:r>
                 <a14:m>
                   <m:oMath xmlns:m="http://schemas.openxmlformats.org/officeDocument/2006/math">
@@ -5493,7 +5510,7 @@
                           </m:dPr>
                           <m:e>
                             <m:r>
-                              <a:rPr lang="en-CA" sz="2400" b="0" i="1" dirty="0" smtClean="0">
+                              <a:rPr lang="en-CA" sz="2400" i="1" dirty="0">
                                 <a:latin typeface="Cambria Math" panose="02040503050406030204" pitchFamily="18" charset="0"/>
                               </a:rPr>
                               <m:t>∞</m:t>
@@ -5511,7 +5528,7 @@
                 <a14:m>
                   <m:oMath xmlns:m="http://schemas.openxmlformats.org/officeDocument/2006/math">
                     <m:r>
-                      <a:rPr lang="en-CA" sz="2400" b="0" i="1" smtClean="0">
+                      <a:rPr lang="en-CA" sz="2400" i="1">
                         <a:latin typeface="Cambria Math" panose="02040503050406030204" pitchFamily="18" charset="0"/>
                       </a:rPr>
                       <m:t>𝑘</m:t>
@@ -5519,8 +5536,18 @@
                   </m:oMath>
                 </a14:m>
                 <a:r>
+                  <a:rPr lang="en-US" sz="2400"/>
+                  <a:t>. </a:t>
+                </a:r>
+                <a:endParaRPr lang="en-US" sz="2400" dirty="0"/>
+              </a:p>
+              <a:p>
+                <a:pPr marL="0" indent="0">
+                  <a:buNone/>
+                </a:pPr>
+                <a:r>
                   <a:rPr lang="en-US" sz="2400" dirty="0"/>
-                  <a:t>.</a:t>
+                  <a:t>If we want GAE have less variation, </a:t>
                 </a:r>
               </a:p>
               <a:p>
@@ -5529,7 +5556,7 @@
                 </a:pPr>
                 <a:r>
                   <a:rPr lang="en-US" sz="2400" dirty="0"/>
-                  <a:t>If we want GAE have less variation, we should assign more weight towards </a:t>
+                  <a:t>we should assign more weight towards </a:t>
                 </a:r>
                 <a14:m>
                   <m:oMath xmlns:m="http://schemas.openxmlformats.org/officeDocument/2006/math">
@@ -5609,6 +5636,18 @@
                   <a:rPr lang="en-US" sz="2400" dirty="0"/>
                   <a:t>. </a:t>
                 </a:r>
+              </a:p>
+              <a:p>
+                <a:pPr marL="0" indent="0">
+                  <a:buNone/>
+                </a:pPr>
+                <a:endParaRPr lang="en-US" sz="2400" dirty="0"/>
+              </a:p>
+              <a:p>
+                <a:pPr marL="0" indent="0">
+                  <a:buNone/>
+                </a:pPr>
+                <a:endParaRPr lang="en-US" sz="2400" dirty="0"/>
               </a:p>
               <a:p>
                 <a:pPr marL="0" indent="0">
@@ -5644,7 +5683,7 @@
               <a:blipFill>
                 <a:blip r:embed="rId2"/>
                 <a:stretch>
-                  <a:fillRect l="-724" t="-2584" r="-965" b="-2326"/>
+                  <a:fillRect l="-724" t="-2067"/>
                 </a:stretch>
               </a:blipFill>
             </p:spPr>
@@ -5695,6 +5734,36 @@
           </a:p>
         </p:txBody>
       </p:sp>
+      <p:pic>
+        <p:nvPicPr>
+          <p:cNvPr id="5" name="Picture 4">
+            <a:extLst>
+              <a:ext uri="{FF2B5EF4-FFF2-40B4-BE49-F238E27FC236}">
+                <a16:creationId xmlns:a16="http://schemas.microsoft.com/office/drawing/2014/main" id="{CC99FD70-1A3D-DD4E-9FB6-945BC0CB5BDE}"/>
+              </a:ext>
+            </a:extLst>
+          </p:cNvPr>
+          <p:cNvPicPr>
+            <a:picLocks noChangeAspect="1"/>
+          </p:cNvPicPr>
+          <p:nvPr/>
+        </p:nvPicPr>
+        <p:blipFill>
+          <a:blip r:embed="rId3"/>
+          <a:stretch>
+            <a:fillRect/>
+          </a:stretch>
+        </p:blipFill>
+        <p:spPr>
+          <a:xfrm>
+            <a:off x="7229554" y="2850694"/>
+            <a:ext cx="4239526" cy="3326269"/>
+          </a:xfrm>
+          <a:prstGeom prst="rect">
+            <a:avLst/>
+          </a:prstGeom>
+        </p:spPr>
+      </p:pic>
     </p:spTree>
     <p:extLst>
       <p:ext uri="{BB962C8B-B14F-4D97-AF65-F5344CB8AC3E}">
@@ -5759,8 +5828,8 @@
           </a:p>
         </p:txBody>
       </p:sp>
-      <mc:AlternateContent xmlns:mc="http://schemas.openxmlformats.org/markup-compatibility/2006">
-        <mc:Choice xmlns:a14="http://schemas.microsoft.com/office/drawing/2010/main" Requires="a14">
+      <mc:AlternateContent xmlns:mc="http://schemas.openxmlformats.org/markup-compatibility/2006" xmlns:a14="http://schemas.microsoft.com/office/drawing/2010/main">
+        <mc:Choice Requires="a14">
           <p:sp>
             <p:nvSpPr>
               <p:cNvPr id="3" name="Content Placeholder 2">
@@ -6812,7 +6881,7 @@
             </p:txBody>
           </p:sp>
         </mc:Choice>
-        <mc:Fallback>
+        <mc:Fallback xmlns="">
           <p:sp>
             <p:nvSpPr>
               <p:cNvPr id="3" name="Content Placeholder 2">
@@ -6954,8 +7023,8 @@
           </a:p>
         </p:txBody>
       </p:sp>
-      <mc:AlternateContent xmlns:mc="http://schemas.openxmlformats.org/markup-compatibility/2006">
-        <mc:Choice xmlns:a14="http://schemas.microsoft.com/office/drawing/2010/main" Requires="a14">
+      <mc:AlternateContent xmlns:mc="http://schemas.openxmlformats.org/markup-compatibility/2006" xmlns:a14="http://schemas.microsoft.com/office/drawing/2010/main">
+        <mc:Choice Requires="a14">
           <p:sp>
             <p:nvSpPr>
               <p:cNvPr id="3" name="Content Placeholder 2">
@@ -7784,7 +7853,7 @@
             </p:txBody>
           </p:sp>
         </mc:Choice>
-        <mc:Fallback>
+        <mc:Fallback xmlns="">
           <p:sp>
             <p:nvSpPr>
               <p:cNvPr id="3" name="Content Placeholder 2">
@@ -8036,8 +8105,8 @@
           </a:p>
         </p:txBody>
       </p:sp>
-      <mc:AlternateContent xmlns:mc="http://schemas.openxmlformats.org/markup-compatibility/2006">
-        <mc:Choice xmlns:a14="http://schemas.microsoft.com/office/drawing/2010/main" Requires="a14">
+      <mc:AlternateContent xmlns:mc="http://schemas.openxmlformats.org/markup-compatibility/2006" xmlns:a14="http://schemas.microsoft.com/office/drawing/2010/main">
+        <mc:Choice Requires="a14">
           <p:sp>
             <p:nvSpPr>
               <p:cNvPr id="3" name="Content Placeholder 2">
@@ -9307,7 +9376,7 @@
             </p:txBody>
           </p:sp>
         </mc:Choice>
-        <mc:Fallback>
+        <mc:Fallback xmlns="">
           <p:sp>
             <p:nvSpPr>
               <p:cNvPr id="3" name="Content Placeholder 2">
@@ -9414,8 +9483,8 @@
           </a:p>
         </p:txBody>
       </p:sp>
-      <mc:AlternateContent xmlns:mc="http://schemas.openxmlformats.org/markup-compatibility/2006">
-        <mc:Choice xmlns:a14="http://schemas.microsoft.com/office/drawing/2010/main" Requires="a14">
+      <mc:AlternateContent xmlns:mc="http://schemas.openxmlformats.org/markup-compatibility/2006" xmlns:a14="http://schemas.microsoft.com/office/drawing/2010/main">
+        <mc:Choice Requires="a14">
           <p:sp>
             <p:nvSpPr>
               <p:cNvPr id="3" name="Content Placeholder 2">
@@ -10214,7 +10283,7 @@
             </p:txBody>
           </p:sp>
         </mc:Choice>
-        <mc:Fallback>
+        <mc:Fallback xmlns="">
           <p:sp>
             <p:nvSpPr>
               <p:cNvPr id="3" name="Content Placeholder 2">
@@ -10321,8 +10390,8 @@
           </a:p>
         </p:txBody>
       </p:sp>
-      <mc:AlternateContent xmlns:mc="http://schemas.openxmlformats.org/markup-compatibility/2006">
-        <mc:Choice xmlns:a14="http://schemas.microsoft.com/office/drawing/2010/main" Requires="a14">
+      <mc:AlternateContent xmlns:mc="http://schemas.openxmlformats.org/markup-compatibility/2006" xmlns:a14="http://schemas.microsoft.com/office/drawing/2010/main">
+        <mc:Choice Requires="a14">
           <p:sp>
             <p:nvSpPr>
               <p:cNvPr id="3" name="Content Placeholder 2">
@@ -11128,13 +11197,7 @@
                             <a:rPr lang="en-CA" sz="2400" b="0" i="1" smtClean="0">
                               <a:latin typeface="Cambria Math" panose="02040503050406030204" pitchFamily="18" charset="0"/>
                             </a:rPr>
-                            <m:t>=</m:t>
-                          </m:r>
-                          <m:r>
-                            <a:rPr lang="en-CA" sz="2400" b="0" i="1" smtClean="0">
-                              <a:latin typeface="Cambria Math" panose="02040503050406030204" pitchFamily="18" charset="0"/>
-                            </a:rPr>
-                            <m:t>0</m:t>
+                            <m:t>=0</m:t>
                           </m:r>
                         </m:sub>
                         <m:sup>
@@ -11432,13 +11495,7 @@
                             <a:rPr lang="en-CA" sz="2400" b="0" i="1" smtClean="0">
                               <a:latin typeface="Cambria Math" panose="02040503050406030204" pitchFamily="18" charset="0"/>
                             </a:rPr>
-                            <m:t>=</m:t>
-                          </m:r>
-                          <m:r>
-                            <a:rPr lang="en-CA" sz="2400" b="0" i="1" smtClean="0">
-                              <a:latin typeface="Cambria Math" panose="02040503050406030204" pitchFamily="18" charset="0"/>
-                            </a:rPr>
-                            <m:t>0</m:t>
+                            <m:t>=0</m:t>
                           </m:r>
                         </m:sub>
                         <m:sup>
@@ -11730,7 +11787,7 @@
             </p:txBody>
           </p:sp>
         </mc:Choice>
-        <mc:Fallback>
+        <mc:Fallback xmlns="">
           <p:sp>
             <p:nvSpPr>
               <p:cNvPr id="3" name="Content Placeholder 2">
@@ -11804,8 +11861,8 @@
           <a:chExt cx="0" cy="0"/>
         </a:xfrm>
       </p:grpSpPr>
-      <mc:AlternateContent xmlns:mc="http://schemas.openxmlformats.org/markup-compatibility/2006">
-        <mc:Choice xmlns:a14="http://schemas.microsoft.com/office/drawing/2010/main" Requires="a14">
+      <mc:AlternateContent xmlns:mc="http://schemas.openxmlformats.org/markup-compatibility/2006" xmlns:a14="http://schemas.microsoft.com/office/drawing/2010/main">
+        <mc:Choice Requires="a14">
           <p:sp>
             <p:nvSpPr>
               <p:cNvPr id="2" name="Title 1">
@@ -11950,7 +12007,7 @@
                     <m:sSup>
                       <m:sSupPr>
                         <m:ctrlPr>
-                          <a:rPr lang="en-CA" b="0" i="0" smtClean="0">
+                          <a:rPr lang="en-CA" b="0" i="1" smtClean="0">
                             <a:latin typeface="Cambria Math" panose="02040503050406030204" pitchFamily="18" charset="0"/>
                           </a:rPr>
                         </m:ctrlPr>
@@ -11978,7 +12035,7 @@
                     <m:sSub>
                       <m:sSubPr>
                         <m:ctrlPr>
-                          <a:rPr lang="en-CA" b="0" i="0" smtClean="0">
+                          <a:rPr lang="en-CA" b="0" i="1" smtClean="0">
                             <a:latin typeface="Cambria Math" panose="02040503050406030204" pitchFamily="18" charset="0"/>
                           </a:rPr>
                         </m:ctrlPr>
@@ -12016,7 +12073,7 @@
             </p:txBody>
           </p:sp>
         </mc:Choice>
-        <mc:Fallback>
+        <mc:Fallback xmlns="">
           <p:sp>
             <p:nvSpPr>
               <p:cNvPr id="2" name="Title 1">
@@ -12060,8 +12117,8 @@
           </p:sp>
         </mc:Fallback>
       </mc:AlternateContent>
-      <mc:AlternateContent xmlns:mc="http://schemas.openxmlformats.org/markup-compatibility/2006">
-        <mc:Choice xmlns:a14="http://schemas.microsoft.com/office/drawing/2010/main" Requires="a14">
+      <mc:AlternateContent xmlns:mc="http://schemas.openxmlformats.org/markup-compatibility/2006" xmlns:a14="http://schemas.microsoft.com/office/drawing/2010/main">
+        <mc:Choice Requires="a14">
           <p:sp>
             <p:nvSpPr>
               <p:cNvPr id="3" name="Content Placeholder 2">
@@ -12710,7 +12767,7 @@
             </p:txBody>
           </p:sp>
         </mc:Choice>
-        <mc:Fallback>
+        <mc:Fallback xmlns="">
           <p:sp>
             <p:nvSpPr>
               <p:cNvPr id="3" name="Content Placeholder 2">
@@ -12973,8 +13030,8 @@
           </p:sp>
         </mc:Fallback>
       </mc:AlternateContent>
-      <mc:AlternateContent xmlns:mc="http://schemas.openxmlformats.org/markup-compatibility/2006">
-        <mc:Choice xmlns:a14="http://schemas.microsoft.com/office/drawing/2010/main" Requires="a14">
+      <mc:AlternateContent xmlns:mc="http://schemas.openxmlformats.org/markup-compatibility/2006" xmlns:a14="http://schemas.microsoft.com/office/drawing/2010/main">
+        <mc:Choice Requires="a14">
           <p:sp>
             <p:nvSpPr>
               <p:cNvPr id="3" name="Content Placeholder 2">
@@ -13676,7 +13733,7 @@
             </p:txBody>
           </p:sp>
         </mc:Choice>
-        <mc:Fallback>
+        <mc:Fallback xmlns="">
           <p:sp>
             <p:nvSpPr>
               <p:cNvPr id="3" name="Content Placeholder 2">
@@ -13904,8 +13961,8 @@
           </p:sp>
         </mc:Fallback>
       </mc:AlternateContent>
-      <mc:AlternateContent xmlns:mc="http://schemas.openxmlformats.org/markup-compatibility/2006">
-        <mc:Choice xmlns:a14="http://schemas.microsoft.com/office/drawing/2010/main" Requires="a14">
+      <mc:AlternateContent xmlns:mc="http://schemas.openxmlformats.org/markup-compatibility/2006" xmlns:a14="http://schemas.microsoft.com/office/drawing/2010/main">
+        <mc:Choice Requires="a14">
           <p:sp>
             <p:nvSpPr>
               <p:cNvPr id="3" name="Content Placeholder 2">
@@ -15071,7 +15128,7 @@
             </p:txBody>
           </p:sp>
         </mc:Choice>
-        <mc:Fallback>
+        <mc:Fallback xmlns="">
           <p:sp>
             <p:nvSpPr>
               <p:cNvPr id="3" name="Content Placeholder 2">
@@ -15299,8 +15356,8 @@
           </p:sp>
         </mc:Fallback>
       </mc:AlternateContent>
-      <mc:AlternateContent xmlns:mc="http://schemas.openxmlformats.org/markup-compatibility/2006">
-        <mc:Choice xmlns:a14="http://schemas.microsoft.com/office/drawing/2010/main" Requires="a14">
+      <mc:AlternateContent xmlns:mc="http://schemas.openxmlformats.org/markup-compatibility/2006" xmlns:a14="http://schemas.microsoft.com/office/drawing/2010/main">
+        <mc:Choice Requires="a14">
           <p:sp>
             <p:nvSpPr>
               <p:cNvPr id="3" name="Content Placeholder 2">
@@ -16992,7 +17049,7 @@
             </p:txBody>
           </p:sp>
         </mc:Choice>
-        <mc:Fallback>
+        <mc:Fallback xmlns="">
           <p:sp>
             <p:nvSpPr>
               <p:cNvPr id="3" name="Content Placeholder 2">
@@ -17220,8 +17277,8 @@
           </p:sp>
         </mc:Fallback>
       </mc:AlternateContent>
-      <mc:AlternateContent xmlns:mc="http://schemas.openxmlformats.org/markup-compatibility/2006">
-        <mc:Choice xmlns:a14="http://schemas.microsoft.com/office/drawing/2010/main" Requires="a14">
+      <mc:AlternateContent xmlns:mc="http://schemas.openxmlformats.org/markup-compatibility/2006" xmlns:a14="http://schemas.microsoft.com/office/drawing/2010/main">
+        <mc:Choice Requires="a14">
           <p:sp>
             <p:nvSpPr>
               <p:cNvPr id="3" name="Content Placeholder 2">
@@ -18523,7 +18580,7 @@
             </p:txBody>
           </p:sp>
         </mc:Choice>
-        <mc:Fallback>
+        <mc:Fallback xmlns="">
           <p:sp>
             <p:nvSpPr>
               <p:cNvPr id="3" name="Content Placeholder 2">

--- a/GAE presentation.pptx
+++ b/GAE presentation.pptx
@@ -272,7 +272,7 @@
           <a:p>
             <a:fld id="{B931B69F-F525-3D48-AFC1-6EB395055EDA}" type="datetimeFigureOut">
               <a:rPr lang="en-US" smtClean="0"/>
-              <a:t>1/27/21</a:t>
+              <a:t>1/28/21</a:t>
             </a:fld>
             <a:endParaRPr lang="en-US"/>
           </a:p>
@@ -470,7 +470,7 @@
           <a:p>
             <a:fld id="{B931B69F-F525-3D48-AFC1-6EB395055EDA}" type="datetimeFigureOut">
               <a:rPr lang="en-US" smtClean="0"/>
-              <a:t>1/27/21</a:t>
+              <a:t>1/28/21</a:t>
             </a:fld>
             <a:endParaRPr lang="en-US"/>
           </a:p>
@@ -678,7 +678,7 @@
           <a:p>
             <a:fld id="{B931B69F-F525-3D48-AFC1-6EB395055EDA}" type="datetimeFigureOut">
               <a:rPr lang="en-US" smtClean="0"/>
-              <a:t>1/27/21</a:t>
+              <a:t>1/28/21</a:t>
             </a:fld>
             <a:endParaRPr lang="en-US"/>
           </a:p>
@@ -876,7 +876,7 @@
           <a:p>
             <a:fld id="{B931B69F-F525-3D48-AFC1-6EB395055EDA}" type="datetimeFigureOut">
               <a:rPr lang="en-US" smtClean="0"/>
-              <a:t>1/27/21</a:t>
+              <a:t>1/28/21</a:t>
             </a:fld>
             <a:endParaRPr lang="en-US"/>
           </a:p>
@@ -1151,7 +1151,7 @@
           <a:p>
             <a:fld id="{B931B69F-F525-3D48-AFC1-6EB395055EDA}" type="datetimeFigureOut">
               <a:rPr lang="en-US" smtClean="0"/>
-              <a:t>1/27/21</a:t>
+              <a:t>1/28/21</a:t>
             </a:fld>
             <a:endParaRPr lang="en-US"/>
           </a:p>
@@ -1416,7 +1416,7 @@
           <a:p>
             <a:fld id="{B931B69F-F525-3D48-AFC1-6EB395055EDA}" type="datetimeFigureOut">
               <a:rPr lang="en-US" smtClean="0"/>
-              <a:t>1/27/21</a:t>
+              <a:t>1/28/21</a:t>
             </a:fld>
             <a:endParaRPr lang="en-US"/>
           </a:p>
@@ -1828,7 +1828,7 @@
           <a:p>
             <a:fld id="{B931B69F-F525-3D48-AFC1-6EB395055EDA}" type="datetimeFigureOut">
               <a:rPr lang="en-US" smtClean="0"/>
-              <a:t>1/27/21</a:t>
+              <a:t>1/28/21</a:t>
             </a:fld>
             <a:endParaRPr lang="en-US"/>
           </a:p>
@@ -1969,7 +1969,7 @@
           <a:p>
             <a:fld id="{B931B69F-F525-3D48-AFC1-6EB395055EDA}" type="datetimeFigureOut">
               <a:rPr lang="en-US" smtClean="0"/>
-              <a:t>1/27/21</a:t>
+              <a:t>1/28/21</a:t>
             </a:fld>
             <a:endParaRPr lang="en-US"/>
           </a:p>
@@ -2082,7 +2082,7 @@
           <a:p>
             <a:fld id="{B931B69F-F525-3D48-AFC1-6EB395055EDA}" type="datetimeFigureOut">
               <a:rPr lang="en-US" smtClean="0"/>
-              <a:t>1/27/21</a:t>
+              <a:t>1/28/21</a:t>
             </a:fld>
             <a:endParaRPr lang="en-US"/>
           </a:p>
@@ -2393,7 +2393,7 @@
           <a:p>
             <a:fld id="{B931B69F-F525-3D48-AFC1-6EB395055EDA}" type="datetimeFigureOut">
               <a:rPr lang="en-US" smtClean="0"/>
-              <a:t>1/27/21</a:t>
+              <a:t>1/28/21</a:t>
             </a:fld>
             <a:endParaRPr lang="en-US"/>
           </a:p>
@@ -2681,7 +2681,7 @@
           <a:p>
             <a:fld id="{B931B69F-F525-3D48-AFC1-6EB395055EDA}" type="datetimeFigureOut">
               <a:rPr lang="en-US" smtClean="0"/>
-              <a:t>1/27/21</a:t>
+              <a:t>1/28/21</a:t>
             </a:fld>
             <a:endParaRPr lang="en-US"/>
           </a:p>
@@ -2922,7 +2922,7 @@
           <a:p>
             <a:fld id="{B931B69F-F525-3D48-AFC1-6EB395055EDA}" type="datetimeFigureOut">
               <a:rPr lang="en-US" smtClean="0"/>
-              <a:t>1/27/21</a:t>
+              <a:t>1/28/21</a:t>
             </a:fld>
             <a:endParaRPr lang="en-US"/>
           </a:p>
@@ -5361,7 +5361,7 @@
                         <a:rPr lang="en-CA" sz="2400" b="0" i="1" dirty="0" smtClean="0">
                           <a:latin typeface="Cambria Math" panose="02040503050406030204" pitchFamily="18" charset="0"/>
                         </a:rPr>
-                        <m:t>)</m:t>
+                        <m:t>]</m:t>
                       </m:r>
                     </m:oMath>
                   </m:oMathPara>
@@ -5536,10 +5536,9 @@
                   </m:oMath>
                 </a14:m>
                 <a:r>
-                  <a:rPr lang="en-US" sz="2400"/>
+                  <a:rPr lang="en-US" sz="2400" dirty="0"/>
                   <a:t>. </a:t>
                 </a:r>
-                <a:endParaRPr lang="en-US" sz="2400" dirty="0"/>
               </a:p>
               <a:p>
                 <a:pPr marL="0" indent="0">
@@ -5756,7 +5755,7 @@
         </p:blipFill>
         <p:spPr>
           <a:xfrm>
-            <a:off x="7229554" y="2850694"/>
+            <a:off x="7114274" y="2850694"/>
             <a:ext cx="4239526" cy="3326269"/>
           </a:xfrm>
           <a:prstGeom prst="rect">
@@ -5828,8 +5827,8 @@
           </a:p>
         </p:txBody>
       </p:sp>
-      <mc:AlternateContent xmlns:mc="http://schemas.openxmlformats.org/markup-compatibility/2006" xmlns:a14="http://schemas.microsoft.com/office/drawing/2010/main">
-        <mc:Choice Requires="a14">
+      <mc:AlternateContent xmlns:mc="http://schemas.openxmlformats.org/markup-compatibility/2006">
+        <mc:Choice xmlns:a14="http://schemas.microsoft.com/office/drawing/2010/main" Requires="a14">
           <p:sp>
             <p:nvSpPr>
               <p:cNvPr id="3" name="Content Placeholder 2">
@@ -6154,6 +6153,18 @@
                           </a:rPr>
                           <m:t>𝑡</m:t>
                         </m:r>
+                        <m:r>
+                          <a:rPr lang="en-CA" sz="2400" b="0" i="1" smtClean="0">
+                            <a:latin typeface="Cambria Math" panose="02040503050406030204" pitchFamily="18" charset="0"/>
+                          </a:rPr>
+                          <m:t>+</m:t>
+                        </m:r>
+                        <m:r>
+                          <a:rPr lang="en-CA" sz="2400" b="0" i="1" smtClean="0">
+                            <a:latin typeface="Cambria Math" panose="02040503050406030204" pitchFamily="18" charset="0"/>
+                          </a:rPr>
+                          <m:t>𝑙</m:t>
+                        </m:r>
                       </m:sub>
                       <m:sup>
                         <m:r>
@@ -6192,6 +6203,18 @@
                             <a:latin typeface="Cambria Math" panose="02040503050406030204" pitchFamily="18" charset="0"/>
                           </a:rPr>
                           <m:t>𝑡</m:t>
+                        </m:r>
+                        <m:r>
+                          <a:rPr lang="en-CA" sz="2400" b="0" i="1" smtClean="0">
+                            <a:latin typeface="Cambria Math" panose="02040503050406030204" pitchFamily="18" charset="0"/>
+                          </a:rPr>
+                          <m:t>+</m:t>
+                        </m:r>
+                        <m:r>
+                          <a:rPr lang="en-CA" sz="2400" b="0" i="1" smtClean="0">
+                            <a:latin typeface="Cambria Math" panose="02040503050406030204" pitchFamily="18" charset="0"/>
+                          </a:rPr>
+                          <m:t>𝑙</m:t>
                         </m:r>
                       </m:sub>
                     </m:sSub>
@@ -6244,6 +6267,18 @@
                                 <a:latin typeface="Cambria Math" panose="02040503050406030204" pitchFamily="18" charset="0"/>
                               </a:rPr>
                               <m:t>𝑡</m:t>
+                            </m:r>
+                            <m:r>
+                              <a:rPr lang="en-CA" sz="2400" b="0" i="1" smtClean="0">
+                                <a:latin typeface="Cambria Math" panose="02040503050406030204" pitchFamily="18" charset="0"/>
+                              </a:rPr>
+                              <m:t>+</m:t>
+                            </m:r>
+                            <m:r>
+                              <a:rPr lang="en-CA" sz="2400" b="0" i="1" smtClean="0">
+                                <a:latin typeface="Cambria Math" panose="02040503050406030204" pitchFamily="18" charset="0"/>
+                              </a:rPr>
+                              <m:t>𝑙</m:t>
                             </m:r>
                             <m:r>
                               <a:rPr lang="en-CA" sz="2400" b="0" i="1" smtClean="0">
@@ -6295,6 +6330,18 @@
                             <a:latin typeface="Cambria Math" panose="02040503050406030204" pitchFamily="18" charset="0"/>
                           </a:rPr>
                           <m:t>𝑡</m:t>
+                        </m:r>
+                        <m:r>
+                          <a:rPr lang="en-CA" sz="2400" b="0" i="1" smtClean="0">
+                            <a:latin typeface="Cambria Math" panose="02040503050406030204" pitchFamily="18" charset="0"/>
+                          </a:rPr>
+                          <m:t>+</m:t>
+                        </m:r>
+                        <m:r>
+                          <a:rPr lang="en-CA" sz="2400" b="0" i="1" smtClean="0">
+                            <a:latin typeface="Cambria Math" panose="02040503050406030204" pitchFamily="18" charset="0"/>
+                          </a:rPr>
+                          <m:t>𝑙</m:t>
                         </m:r>
                       </m:sub>
                     </m:sSub>
@@ -6831,7 +6878,7 @@
                 </a:pPr>
                 <a:r>
                   <a:rPr lang="en-US" sz="2400" dirty="0"/>
-                  <a:t>How do we handle infinite time horizon?</a:t>
+                  <a:t>How do we handle infinite time horizon (limitation due to computational cost)?</a:t>
                 </a:r>
               </a:p>
               <a:p>
@@ -6870,6 +6917,117 @@
                 <a:pPr marL="0" indent="0">
                   <a:buNone/>
                 </a:pPr>
+                <a:r>
+                  <a:rPr lang="en-US" sz="2400" dirty="0"/>
+                  <a:t>We can set a “cut off” for </a:t>
+                </a:r>
+                <a14:m>
+                  <m:oMath xmlns:m="http://schemas.openxmlformats.org/officeDocument/2006/math">
+                    <m:r>
+                      <a:rPr lang="en-CA" sz="2400" i="1" dirty="0">
+                        <a:latin typeface="Cambria Math" panose="02040503050406030204" pitchFamily="18" charset="0"/>
+                      </a:rPr>
+                      <m:t>𝜆</m:t>
+                    </m:r>
+                  </m:oMath>
+                </a14:m>
+                <a:r>
+                  <a:rPr lang="en-US" sz="2400" dirty="0"/>
+                  <a:t>, after some small number, we treat the weight </a:t>
+                </a:r>
+                <a14:m>
+                  <m:oMath xmlns:m="http://schemas.openxmlformats.org/officeDocument/2006/math">
+                    <m:r>
+                      <a:rPr lang="en-CA" sz="2400" i="1" dirty="0">
+                        <a:latin typeface="Cambria Math" panose="02040503050406030204" pitchFamily="18" charset="0"/>
+                      </a:rPr>
+                      <m:t>𝜆</m:t>
+                    </m:r>
+                  </m:oMath>
+                </a14:m>
+                <a:r>
+                  <a:rPr lang="en-US" sz="2400" dirty="0"/>
+                  <a:t> as 0 when computing </a:t>
+                </a:r>
+                <a14:m>
+                  <m:oMath xmlns:m="http://schemas.openxmlformats.org/officeDocument/2006/math">
+                    <m:sSup>
+                      <m:sSupPr>
+                        <m:ctrlPr>
+                          <a:rPr lang="en-CA" sz="2400" i="1" dirty="0">
+                            <a:latin typeface="Cambria Math" panose="02040503050406030204" pitchFamily="18" charset="0"/>
+                          </a:rPr>
+                        </m:ctrlPr>
+                      </m:sSupPr>
+                      <m:e>
+                        <m:acc>
+                          <m:accPr>
+                            <m:chr m:val="̂"/>
+                            <m:ctrlPr>
+                              <a:rPr lang="en-CA" sz="2400" i="1">
+                                <a:latin typeface="Cambria Math" panose="02040503050406030204" pitchFamily="18" charset="0"/>
+                              </a:rPr>
+                            </m:ctrlPr>
+                          </m:accPr>
+                          <m:e>
+                            <m:r>
+                              <a:rPr lang="en-CA" sz="2400" i="1">
+                                <a:latin typeface="Cambria Math" panose="02040503050406030204" pitchFamily="18" charset="0"/>
+                              </a:rPr>
+                              <m:t>𝐴</m:t>
+                            </m:r>
+                          </m:e>
+                        </m:acc>
+                      </m:e>
+                      <m:sup>
+                        <m:r>
+                          <a:rPr lang="en-CA" sz="2400" i="1" dirty="0">
+                            <a:latin typeface="Cambria Math" panose="02040503050406030204" pitchFamily="18" charset="0"/>
+                          </a:rPr>
+                          <m:t>𝐺𝐴𝐸</m:t>
+                        </m:r>
+                        <m:d>
+                          <m:dPr>
+                            <m:ctrlPr>
+                              <a:rPr lang="en-CA" sz="2400" i="1" dirty="0">
+                                <a:latin typeface="Cambria Math" panose="02040503050406030204" pitchFamily="18" charset="0"/>
+                              </a:rPr>
+                            </m:ctrlPr>
+                          </m:dPr>
+                          <m:e>
+                            <m:r>
+                              <a:rPr lang="en-CA" sz="2400" i="1" dirty="0">
+                                <a:latin typeface="Cambria Math" panose="02040503050406030204" pitchFamily="18" charset="0"/>
+                              </a:rPr>
+                              <m:t>𝛾</m:t>
+                            </m:r>
+                            <m:r>
+                              <a:rPr lang="en-CA" sz="2400" i="1" dirty="0">
+                                <a:latin typeface="Cambria Math" panose="02040503050406030204" pitchFamily="18" charset="0"/>
+                              </a:rPr>
+                              <m:t>,</m:t>
+                            </m:r>
+                            <m:r>
+                              <a:rPr lang="en-CA" sz="2400" i="1" dirty="0">
+                                <a:latin typeface="Cambria Math" panose="02040503050406030204" pitchFamily="18" charset="0"/>
+                              </a:rPr>
+                              <m:t>𝜆</m:t>
+                            </m:r>
+                          </m:e>
+                        </m:d>
+                      </m:sup>
+                    </m:sSup>
+                  </m:oMath>
+                </a14:m>
+                <a:r>
+                  <a:rPr lang="en-US" sz="2400" dirty="0"/>
+                  <a:t>.</a:t>
+                </a:r>
+              </a:p>
+              <a:p>
+                <a:pPr marL="0" indent="0">
+                  <a:buNone/>
+                </a:pPr>
                 <a:endParaRPr lang="en-US" sz="2400" dirty="0"/>
               </a:p>
               <a:p>
@@ -6881,7 +7039,7 @@
             </p:txBody>
           </p:sp>
         </mc:Choice>
-        <mc:Fallback xmlns="">
+        <mc:Fallback>
           <p:sp>
             <p:nvSpPr>
               <p:cNvPr id="3" name="Content Placeholder 2">
@@ -6906,7 +7064,7 @@
               <a:blipFill>
                 <a:blip r:embed="rId2"/>
                 <a:stretch>
-                  <a:fillRect l="-483" t="-13695"/>
+                  <a:fillRect l="-483" t="-13695" b="-1292"/>
                 </a:stretch>
               </a:blipFill>
             </p:spPr>
@@ -7023,8 +7181,8 @@
           </a:p>
         </p:txBody>
       </p:sp>
-      <mc:AlternateContent xmlns:mc="http://schemas.openxmlformats.org/markup-compatibility/2006" xmlns:a14="http://schemas.microsoft.com/office/drawing/2010/main">
-        <mc:Choice Requires="a14">
+      <mc:AlternateContent xmlns:mc="http://schemas.openxmlformats.org/markup-compatibility/2006">
+        <mc:Choice xmlns:a14="http://schemas.microsoft.com/office/drawing/2010/main" Requires="a14">
           <p:sp>
             <p:nvSpPr>
               <p:cNvPr id="3" name="Content Placeholder 2">
@@ -7798,7 +7956,7 @@
                       <a:rPr lang="en-CA" sz="2400" b="0" i="1" smtClean="0">
                         <a:latin typeface="Cambria Math" panose="02040503050406030204" pitchFamily="18" charset="0"/>
                       </a:rPr>
-                      <m:t>→ 0</m:t>
+                      <m:t>→0</m:t>
                     </m:r>
                   </m:oMath>
                 </a14:m>
@@ -7853,7 +8011,7 @@
             </p:txBody>
           </p:sp>
         </mc:Choice>
-        <mc:Fallback xmlns="">
+        <mc:Fallback>
           <p:sp>
             <p:nvSpPr>
               <p:cNvPr id="3" name="Content Placeholder 2">
@@ -10390,8 +10548,8 @@
           </a:p>
         </p:txBody>
       </p:sp>
-      <mc:AlternateContent xmlns:mc="http://schemas.openxmlformats.org/markup-compatibility/2006" xmlns:a14="http://schemas.microsoft.com/office/drawing/2010/main">
-        <mc:Choice Requires="a14">
+      <mc:AlternateContent xmlns:mc="http://schemas.openxmlformats.org/markup-compatibility/2006">
+        <mc:Choice xmlns:a14="http://schemas.microsoft.com/office/drawing/2010/main" Requires="a14">
           <p:sp>
             <p:nvSpPr>
               <p:cNvPr id="3" name="Content Placeholder 2">
@@ -10961,7 +11119,7 @@
                 </a:pPr>
                 <a:r>
                   <a:rPr lang="en-US" sz="2400" dirty="0"/>
-                  <a:t>Mathematically,</a:t>
+                  <a:t>Recall that mathematically,</a:t>
                 </a:r>
               </a:p>
               <a:p>
@@ -11787,7 +11945,7 @@
             </p:txBody>
           </p:sp>
         </mc:Choice>
-        <mc:Fallback xmlns="">
+        <mc:Fallback>
           <p:sp>
             <p:nvSpPr>
               <p:cNvPr id="3" name="Content Placeholder 2">
@@ -12117,8 +12275,8 @@
           </p:sp>
         </mc:Fallback>
       </mc:AlternateContent>
-      <mc:AlternateContent xmlns:mc="http://schemas.openxmlformats.org/markup-compatibility/2006" xmlns:a14="http://schemas.microsoft.com/office/drawing/2010/main">
-        <mc:Choice Requires="a14">
+      <mc:AlternateContent xmlns:mc="http://schemas.openxmlformats.org/markup-compatibility/2006">
+        <mc:Choice xmlns:a14="http://schemas.microsoft.com/office/drawing/2010/main" Requires="a14">
           <p:sp>
             <p:nvSpPr>
               <p:cNvPr id="3" name="Content Placeholder 2">
@@ -12192,42 +12350,6 @@
                 </a:r>
                 <a14:m>
                   <m:oMath xmlns:m="http://schemas.openxmlformats.org/officeDocument/2006/math">
-                    <m:sSub>
-                      <m:sSubPr>
-                        <m:ctrlPr>
-                          <a:rPr lang="en-CA" sz="2400" b="0" i="1" smtClean="0">
-                            <a:latin typeface="Cambria Math" panose="02040503050406030204" pitchFamily="18" charset="0"/>
-                          </a:rPr>
-                        </m:ctrlPr>
-                      </m:sSubPr>
-                      <m:e>
-                        <m:r>
-                          <m:rPr>
-                            <m:sty m:val="p"/>
-                          </m:rPr>
-                          <a:rPr lang="en-CA" sz="2400" b="0" i="0" smtClean="0">
-                            <a:latin typeface="Cambria Math" panose="02040503050406030204" pitchFamily="18" charset="0"/>
-                          </a:rPr>
-                          <m:t>Ψ</m:t>
-                        </m:r>
-                      </m:e>
-                      <m:sub>
-                        <m:r>
-                          <a:rPr lang="en-CA" sz="2400" b="0" i="1" smtClean="0">
-                            <a:latin typeface="Cambria Math" panose="02040503050406030204" pitchFamily="18" charset="0"/>
-                          </a:rPr>
-                          <m:t>𝑡</m:t>
-                        </m:r>
-                      </m:sub>
-                    </m:sSub>
-                  </m:oMath>
-                </a14:m>
-                <a:r>
-                  <a:rPr lang="en-US" sz="2400" dirty="0"/>
-                  <a:t> to be </a:t>
-                </a:r>
-                <a14:m>
-                  <m:oMath xmlns:m="http://schemas.openxmlformats.org/officeDocument/2006/math">
                     <m:sSup>
                       <m:sSupPr>
                         <m:ctrlPr>
@@ -12354,34 +12476,110 @@
                 </a:r>
                 <a14:m>
                   <m:oMath xmlns:m="http://schemas.openxmlformats.org/officeDocument/2006/math">
-                    <m:sSub>
-                      <m:sSubPr>
+                    <m:sSup>
+                      <m:sSupPr>
                         <m:ctrlPr>
-                          <a:rPr lang="en-CA" sz="2400" b="0" i="1" smtClean="0">
+                          <a:rPr lang="en-CA" sz="2400" i="1">
                             <a:latin typeface="Cambria Math" panose="02040503050406030204" pitchFamily="18" charset="0"/>
                           </a:rPr>
                         </m:ctrlPr>
-                      </m:sSubPr>
+                      </m:sSupPr>
                       <m:e>
                         <m:r>
-                          <m:rPr>
-                            <m:sty m:val="p"/>
-                          </m:rPr>
-                          <a:rPr lang="en-CA" sz="2400" b="0" i="0" smtClean="0">
-                            <a:latin typeface="Cambria Math" panose="02040503050406030204" pitchFamily="18" charset="0"/>
-                          </a:rPr>
-                          <m:t>Ψ</m:t>
+                          <a:rPr lang="en-CA" sz="2400" i="1">
+                            <a:latin typeface="Cambria Math" panose="02040503050406030204" pitchFamily="18" charset="0"/>
+                          </a:rPr>
+                          <m:t>𝐴</m:t>
                         </m:r>
                       </m:e>
-                      <m:sub>
-                        <m:r>
-                          <a:rPr lang="en-CA" sz="2400" b="0" i="1" smtClean="0">
-                            <a:latin typeface="Cambria Math" panose="02040503050406030204" pitchFamily="18" charset="0"/>
-                          </a:rPr>
-                          <m:t>𝑡</m:t>
-                        </m:r>
-                      </m:sub>
-                    </m:sSub>
+                      <m:sup>
+                        <m:r>
+                          <a:rPr lang="en-CA" sz="2400" i="1">
+                            <a:latin typeface="Cambria Math" panose="02040503050406030204" pitchFamily="18" charset="0"/>
+                          </a:rPr>
+                          <m:t>𝜋</m:t>
+                        </m:r>
+                        <m:r>
+                          <a:rPr lang="en-CA" sz="2400" i="1">
+                            <a:latin typeface="Cambria Math" panose="02040503050406030204" pitchFamily="18" charset="0"/>
+                          </a:rPr>
+                          <m:t>,</m:t>
+                        </m:r>
+                        <m:r>
+                          <a:rPr lang="en-CA" sz="2400" i="1">
+                            <a:latin typeface="Cambria Math" panose="02040503050406030204" pitchFamily="18" charset="0"/>
+                          </a:rPr>
+                          <m:t>𝛾</m:t>
+                        </m:r>
+                      </m:sup>
+                    </m:sSup>
+                    <m:d>
+                      <m:dPr>
+                        <m:ctrlPr>
+                          <a:rPr lang="en-CA" sz="2400" i="1">
+                            <a:latin typeface="Cambria Math" panose="02040503050406030204" pitchFamily="18" charset="0"/>
+                          </a:rPr>
+                        </m:ctrlPr>
+                      </m:dPr>
+                      <m:e>
+                        <m:sSub>
+                          <m:sSubPr>
+                            <m:ctrlPr>
+                              <a:rPr lang="en-CA" sz="2400" i="1">
+                                <a:latin typeface="Cambria Math" panose="02040503050406030204" pitchFamily="18" charset="0"/>
+                              </a:rPr>
+                            </m:ctrlPr>
+                          </m:sSubPr>
+                          <m:e>
+                            <m:r>
+                              <a:rPr lang="en-CA" sz="2400" i="1">
+                                <a:latin typeface="Cambria Math" panose="02040503050406030204" pitchFamily="18" charset="0"/>
+                              </a:rPr>
+                              <m:t>𝑠</m:t>
+                            </m:r>
+                          </m:e>
+                          <m:sub>
+                            <m:r>
+                              <a:rPr lang="en-CA" sz="2400" i="1">
+                                <a:latin typeface="Cambria Math" panose="02040503050406030204" pitchFamily="18" charset="0"/>
+                              </a:rPr>
+                              <m:t>𝑡</m:t>
+                            </m:r>
+                          </m:sub>
+                        </m:sSub>
+                        <m:r>
+                          <a:rPr lang="en-CA" sz="2400" i="1">
+                            <a:latin typeface="Cambria Math" panose="02040503050406030204" pitchFamily="18" charset="0"/>
+                          </a:rPr>
+                          <m:t>,</m:t>
+                        </m:r>
+                        <m:sSub>
+                          <m:sSubPr>
+                            <m:ctrlPr>
+                              <a:rPr lang="en-CA" sz="2400" i="1">
+                                <a:latin typeface="Cambria Math" panose="02040503050406030204" pitchFamily="18" charset="0"/>
+                              </a:rPr>
+                            </m:ctrlPr>
+                          </m:sSubPr>
+                          <m:e>
+                            <m:r>
+                              <a:rPr lang="en-CA" sz="2400" i="1">
+                                <a:latin typeface="Cambria Math" panose="02040503050406030204" pitchFamily="18" charset="0"/>
+                              </a:rPr>
+                              <m:t>𝑎</m:t>
+                            </m:r>
+                          </m:e>
+                          <m:sub>
+                            <m:r>
+                              <a:rPr lang="en-CA" sz="2400" i="1">
+                                <a:latin typeface="Cambria Math" panose="02040503050406030204" pitchFamily="18" charset="0"/>
+                              </a:rPr>
+                              <m:t>𝑡</m:t>
+                            </m:r>
+                          </m:sub>
+                        </m:sSub>
+                      </m:e>
+                    </m:d>
                     <m:sSub>
                       <m:sSubPr>
                         <m:ctrlPr>
@@ -12764,10 +12962,25 @@
                 </a:pPr>
                 <a:endParaRPr lang="en-US" sz="2400" dirty="0"/>
               </a:p>
+              <a:p>
+                <a:pPr marL="0" indent="0">
+                  <a:buNone/>
+                </a:pPr>
+                <a:r>
+                  <a:rPr lang="en-US" sz="2400" dirty="0"/>
+                  <a:t>3. Comparing to using overall return, using advantage function results in a typically smaller variance for policy gradient.</a:t>
+                </a:r>
+              </a:p>
+              <a:p>
+                <a:pPr marL="0" indent="0">
+                  <a:buNone/>
+                </a:pPr>
+                <a:endParaRPr lang="en-US" sz="2400" dirty="0"/>
+              </a:p>
             </p:txBody>
           </p:sp>
         </mc:Choice>
-        <mc:Fallback xmlns="">
+        <mc:Fallback>
           <p:sp>
             <p:nvSpPr>
               <p:cNvPr id="3" name="Content Placeholder 2">
@@ -12792,7 +13005,7 @@
               <a:blipFill>
                 <a:blip r:embed="rId3"/>
                 <a:stretch>
-                  <a:fillRect l="-965" r="-241"/>
+                  <a:fillRect l="-965" r="-362"/>
                 </a:stretch>
               </a:blipFill>
             </p:spPr>
@@ -13961,8 +14174,8 @@
           </p:sp>
         </mc:Fallback>
       </mc:AlternateContent>
-      <mc:AlternateContent xmlns:mc="http://schemas.openxmlformats.org/markup-compatibility/2006" xmlns:a14="http://schemas.microsoft.com/office/drawing/2010/main">
-        <mc:Choice Requires="a14">
+      <mc:AlternateContent xmlns:mc="http://schemas.openxmlformats.org/markup-compatibility/2006">
+        <mc:Choice xmlns:a14="http://schemas.microsoft.com/office/drawing/2010/main" Requires="a14">
           <p:sp>
             <p:nvSpPr>
               <p:cNvPr id="3" name="Content Placeholder 2">
@@ -14660,12 +14873,43 @@
                           </a:rPr>
                           <m:t>−</m:t>
                         </m:r>
-                        <m:r>
-                          <a:rPr lang="en-CA" sz="2400" i="1">
-                            <a:latin typeface="Cambria Math" panose="02040503050406030204" pitchFamily="18" charset="0"/>
-                          </a:rPr>
-                          <m:t>𝑉</m:t>
-                        </m:r>
+                        <m:sSup>
+                          <m:sSupPr>
+                            <m:ctrlPr>
+                              <a:rPr lang="en-CA" sz="2400" b="0" i="1" smtClean="0">
+                                <a:latin typeface="Cambria Math" panose="02040503050406030204" pitchFamily="18" charset="0"/>
+                              </a:rPr>
+                            </m:ctrlPr>
+                          </m:sSupPr>
+                          <m:e>
+                            <m:r>
+                              <a:rPr lang="en-CA" sz="2400" i="1">
+                                <a:latin typeface="Cambria Math" panose="02040503050406030204" pitchFamily="18" charset="0"/>
+                              </a:rPr>
+                              <m:t>𝑉</m:t>
+                            </m:r>
+                          </m:e>
+                          <m:sup>
+                            <m:r>
+                              <a:rPr lang="en-CA" sz="2400" b="0" i="1" smtClean="0">
+                                <a:latin typeface="Cambria Math" panose="02040503050406030204" pitchFamily="18" charset="0"/>
+                              </a:rPr>
+                              <m:t>𝜋</m:t>
+                            </m:r>
+                            <m:r>
+                              <a:rPr lang="en-CA" sz="2400" b="0" i="1" smtClean="0">
+                                <a:latin typeface="Cambria Math" panose="02040503050406030204" pitchFamily="18" charset="0"/>
+                              </a:rPr>
+                              <m:t>,</m:t>
+                            </m:r>
+                            <m:r>
+                              <a:rPr lang="en-CA" sz="2400" b="0" i="1" smtClean="0">
+                                <a:latin typeface="Cambria Math" panose="02040503050406030204" pitchFamily="18" charset="0"/>
+                              </a:rPr>
+                              <m:t>𝛾</m:t>
+                            </m:r>
+                          </m:sup>
+                        </m:sSup>
                         <m:r>
                           <a:rPr lang="en-CA" sz="2400" i="1">
                             <a:latin typeface="Cambria Math" panose="02040503050406030204" pitchFamily="18" charset="0"/>
@@ -15128,7 +15372,7 @@
             </p:txBody>
           </p:sp>
         </mc:Choice>
-        <mc:Fallback xmlns="">
+        <mc:Fallback>
           <p:sp>
             <p:nvSpPr>
               <p:cNvPr id="3" name="Content Placeholder 2">
@@ -17277,8 +17521,8 @@
           </p:sp>
         </mc:Fallback>
       </mc:AlternateContent>
-      <mc:AlternateContent xmlns:mc="http://schemas.openxmlformats.org/markup-compatibility/2006" xmlns:a14="http://schemas.microsoft.com/office/drawing/2010/main">
-        <mc:Choice Requires="a14">
+      <mc:AlternateContent xmlns:mc="http://schemas.openxmlformats.org/markup-compatibility/2006">
+        <mc:Choice xmlns:a14="http://schemas.microsoft.com/office/drawing/2010/main" Requires="a14">
           <p:sp>
             <p:nvSpPr>
               <p:cNvPr id="3" name="Content Placeholder 2">
@@ -18275,6 +18519,23 @@
                 </a:r>
                 <a14:m>
                   <m:oMath xmlns:m="http://schemas.openxmlformats.org/officeDocument/2006/math">
+                    <m:r>
+                      <m:rPr>
+                        <m:sty m:val="p"/>
+                      </m:rPr>
+                      <a:rPr lang="en-CA" sz="2400" b="0" i="0" smtClean="0">
+                        <a:latin typeface="Cambria Math" panose="02040503050406030204" pitchFamily="18" charset="0"/>
+                        <a:ea typeface="Cambria Math" panose="02040503050406030204" pitchFamily="18" charset="0"/>
+                      </a:rPr>
+                      <m:t>E</m:t>
+                    </m:r>
+                    <m:r>
+                      <a:rPr lang="en-CA" sz="2400" b="0" i="0" smtClean="0">
+                        <a:latin typeface="Cambria Math" panose="02040503050406030204" pitchFamily="18" charset="0"/>
+                        <a:ea typeface="Cambria Math" panose="02040503050406030204" pitchFamily="18" charset="0"/>
+                      </a:rPr>
+                      <m:t>[</m:t>
+                    </m:r>
                     <m:sSub>
                       <m:sSubPr>
                         <m:ctrlPr>
@@ -18411,6 +18672,13 @@
                         </m:sSub>
                       </m:e>
                     </m:d>
+                    <m:r>
+                      <a:rPr lang="en-CA" sz="2400" b="0" i="1" smtClean="0">
+                        <a:latin typeface="Cambria Math" panose="02040503050406030204" pitchFamily="18" charset="0"/>
+                        <a:ea typeface="Cambria Math" panose="02040503050406030204" pitchFamily="18" charset="0"/>
+                      </a:rPr>
+                      <m:t>]</m:t>
+                    </m:r>
                     <m:r>
                       <a:rPr lang="en-CA" sz="2400" b="0" i="1" smtClean="0">
                         <a:latin typeface="Cambria Math" panose="02040503050406030204" pitchFamily="18" charset="0"/>
@@ -18580,7 +18848,7 @@
             </p:txBody>
           </p:sp>
         </mc:Choice>
-        <mc:Fallback xmlns="">
+        <mc:Fallback>
           <p:sp>
             <p:nvSpPr>
               <p:cNvPr id="3" name="Content Placeholder 2">
